--- a/trunk/doc/ID.pptx
+++ b/trunk/doc/ID.pptx
@@ -6,6 +6,7 @@
   </p:sldMasterIdLst>
   <p:sldIdLst>
     <p:sldId id="256" r:id="rId2"/>
+    <p:sldId id="257" r:id="rId3"/>
   </p:sldIdLst>
   <p:sldSz cx="12192000" cy="6858000"/>
   <p:notesSz cx="6858000" cy="9144000"/>
@@ -104,6 +105,11 @@
       </a:defRPr>
     </a:lvl9pPr>
   </p:defaultTextStyle>
+  <p:extLst>
+    <p:ext uri="{EFAFB233-063F-42B5-8137-9DF3F51BA10A}">
+      <p15:sldGuideLst xmlns:p15="http://schemas.microsoft.com/office/powerpoint/2012/main"/>
+    </p:ext>
+  </p:extLst>
 </p:presentation>
 </file>
 
@@ -3369,6 +3375,428 @@
 </p:sld>
 </file>
 
+<file path=ppt/slides/slide2.xml><?xml version="1.0" encoding="utf-8"?>
+<p:sld xmlns:a="http://schemas.openxmlformats.org/drawingml/2006/main" xmlns:r="http://schemas.openxmlformats.org/officeDocument/2006/relationships" xmlns:p="http://schemas.openxmlformats.org/presentationml/2006/main">
+  <p:cSld>
+    <p:spTree>
+      <p:nvGrpSpPr>
+        <p:cNvPr id="1" name=""/>
+        <p:cNvGrpSpPr/>
+        <p:nvPr/>
+      </p:nvGrpSpPr>
+      <p:grpSpPr>
+        <a:xfrm>
+          <a:off x="0" y="0"/>
+          <a:ext cx="0" cy="0"/>
+          <a:chOff x="0" y="0"/>
+          <a:chExt cx="0" cy="0"/>
+        </a:xfrm>
+      </p:grpSpPr>
+      <p:sp>
+        <p:nvSpPr>
+          <p:cNvPr id="4" name="圆角矩形 3"/>
+          <p:cNvSpPr/>
+          <p:nvPr/>
+        </p:nvSpPr>
+        <p:spPr>
+          <a:xfrm>
+            <a:off x="1947473" y="2676525"/>
+            <a:ext cx="5110552" cy="1914525"/>
+          </a:xfrm>
+          <a:prstGeom prst="roundRect">
+            <a:avLst/>
+          </a:prstGeom>
+          <a:gradFill>
+            <a:gsLst>
+              <a:gs pos="0">
+                <a:schemeClr val="accent1">
+                  <a:lumMod val="5000"/>
+                  <a:lumOff val="95000"/>
+                </a:schemeClr>
+              </a:gs>
+              <a:gs pos="74000">
+                <a:schemeClr val="accent1">
+                  <a:lumMod val="45000"/>
+                  <a:lumOff val="55000"/>
+                </a:schemeClr>
+              </a:gs>
+              <a:gs pos="83000">
+                <a:schemeClr val="accent1">
+                  <a:lumMod val="45000"/>
+                  <a:lumOff val="55000"/>
+                </a:schemeClr>
+              </a:gs>
+              <a:gs pos="100000">
+                <a:schemeClr val="accent1">
+                  <a:lumMod val="30000"/>
+                  <a:lumOff val="70000"/>
+                </a:schemeClr>
+              </a:gs>
+            </a:gsLst>
+            <a:lin ang="5400000" scaled="1"/>
+          </a:gradFill>
+          <a:effectLst>
+            <a:glow rad="139700">
+              <a:schemeClr val="accent4">
+                <a:satMod val="175000"/>
+                <a:alpha val="40000"/>
+              </a:schemeClr>
+            </a:glow>
+            <a:outerShdw blurRad="50800" dist="38100" dir="2700000" algn="tl" rotWithShape="0">
+              <a:prstClr val="black">
+                <a:alpha val="40000"/>
+              </a:prstClr>
+            </a:outerShdw>
+          </a:effectLst>
+        </p:spPr>
+        <p:style>
+          <a:lnRef idx="2">
+            <a:schemeClr val="accent1">
+              <a:shade val="50000"/>
+            </a:schemeClr>
+          </a:lnRef>
+          <a:fillRef idx="1">
+            <a:schemeClr val="accent1"/>
+          </a:fillRef>
+          <a:effectRef idx="0">
+            <a:schemeClr val="accent1"/>
+          </a:effectRef>
+          <a:fontRef idx="minor">
+            <a:schemeClr val="lt1"/>
+          </a:fontRef>
+        </p:style>
+        <p:txBody>
+          <a:bodyPr rtlCol="0" anchor="ctr"/>
+          <a:lstStyle/>
+          <a:p>
+            <a:pPr algn="ctr"/>
+            <a:endParaRPr lang="zh-CN" altLang="en-US" dirty="0"/>
+          </a:p>
+        </p:txBody>
+      </p:sp>
+      <p:sp>
+        <p:nvSpPr>
+          <p:cNvPr id="5" name="文本框 4"/>
+          <p:cNvSpPr txBox="1"/>
+          <p:nvPr/>
+        </p:nvSpPr>
+        <p:spPr>
+          <a:xfrm>
+            <a:off x="5027846" y="2870827"/>
+            <a:ext cx="1492716" cy="307777"/>
+          </a:xfrm>
+          <a:prstGeom prst="rect">
+            <a:avLst/>
+          </a:prstGeom>
+          <a:noFill/>
+        </p:spPr>
+        <p:txBody>
+          <a:bodyPr wrap="none" rtlCol="0">
+            <a:spAutoFit/>
+          </a:bodyPr>
+          <a:lstStyle/>
+          <a:p>
+            <a:pPr algn="r"/>
+            <a:r>
+              <a:rPr lang="zh-CN" altLang="en-US" sz="1400" b="1" dirty="0" smtClean="0">
+                <a:latin typeface="楷体" panose="02010609060101010101" pitchFamily="49" charset="-122"/>
+                <a:ea typeface="楷体" panose="02010609060101010101" pitchFamily="49" charset="-122"/>
+              </a:rPr>
+              <a:t>薛成成</a:t>
+            </a:r>
+            <a:r>
+              <a:rPr lang="zh-CN" altLang="en-US" sz="1400" dirty="0" smtClean="0">
+                <a:latin typeface="楷体" panose="02010609060101010101" pitchFamily="49" charset="-122"/>
+                <a:ea typeface="楷体" panose="02010609060101010101" pitchFamily="49" charset="-122"/>
+              </a:rPr>
+              <a:t> </a:t>
+            </a:r>
+            <a:r>
+              <a:rPr lang="en-US" altLang="zh-CN" sz="1200" dirty="0" err="1" smtClean="0">
+                <a:latin typeface="Consolas" panose="020B0609020204030204" pitchFamily="49" charset="0"/>
+                <a:ea typeface="楷体" panose="02010609060101010101" pitchFamily="49" charset="-122"/>
+                <a:cs typeface="Consolas" panose="020B0609020204030204" pitchFamily="49" charset="0"/>
+              </a:rPr>
+              <a:t>Ilya.Xue</a:t>
+            </a:r>
+            <a:endParaRPr lang="en-US" altLang="zh-CN" sz="1200" dirty="0">
+              <a:latin typeface="Consolas" panose="020B0609020204030204" pitchFamily="49" charset="0"/>
+              <a:ea typeface="楷体" panose="02010609060101010101" pitchFamily="49" charset="-122"/>
+              <a:cs typeface="Consolas" panose="020B0609020204030204" pitchFamily="49" charset="0"/>
+            </a:endParaRPr>
+          </a:p>
+        </p:txBody>
+      </p:sp>
+      <p:pic>
+        <p:nvPicPr>
+          <p:cNvPr id="6" name="图片 5"/>
+          <p:cNvPicPr>
+            <a:picLocks noChangeAspect="1"/>
+          </p:cNvPicPr>
+          <p:nvPr/>
+        </p:nvPicPr>
+        <p:blipFill>
+          <a:blip r:embed="rId2" cstate="print">
+            <a:extLst>
+              <a:ext uri="{28A0092B-C50C-407E-A947-70E740481C1C}">
+                <a14:useLocalDpi xmlns:a14="http://schemas.microsoft.com/office/drawing/2010/main" val="0"/>
+              </a:ext>
+            </a:extLst>
+          </a:blip>
+          <a:stretch>
+            <a:fillRect/>
+          </a:stretch>
+        </p:blipFill>
+        <p:spPr>
+          <a:xfrm>
+            <a:off x="2171699" y="3198480"/>
+            <a:ext cx="1190625" cy="1190625"/>
+          </a:xfrm>
+          <a:prstGeom prst="rect">
+            <a:avLst/>
+          </a:prstGeom>
+          <a:effectLst>
+            <a:softEdge rad="76200"/>
+          </a:effectLst>
+        </p:spPr>
+      </p:pic>
+      <p:sp>
+        <p:nvSpPr>
+          <p:cNvPr id="7" name="文本框 6"/>
+          <p:cNvSpPr txBox="1"/>
+          <p:nvPr/>
+        </p:nvSpPr>
+        <p:spPr>
+          <a:xfrm>
+            <a:off x="3362325" y="3183690"/>
+            <a:ext cx="3158237" cy="1200329"/>
+          </a:xfrm>
+          <a:prstGeom prst="rect">
+            <a:avLst/>
+          </a:prstGeom>
+          <a:noFill/>
+        </p:spPr>
+        <p:txBody>
+          <a:bodyPr wrap="none" rtlCol="0">
+            <a:spAutoFit/>
+          </a:bodyPr>
+          <a:lstStyle/>
+          <a:p>
+            <a:pPr algn="r"/>
+            <a:r>
+              <a:rPr lang="en-US" altLang="zh-CN" sz="1200" dirty="0" smtClean="0">
+                <a:latin typeface="Consolas" panose="020B0609020204030204" pitchFamily="49" charset="0"/>
+                <a:ea typeface="楷体" panose="02010609060101010101" pitchFamily="49" charset="-122"/>
+                <a:cs typeface="Consolas" panose="020B0609020204030204" pitchFamily="49" charset="0"/>
+              </a:rPr>
+              <a:t>Programmer</a:t>
+            </a:r>
+          </a:p>
+          <a:p>
+            <a:pPr algn="r"/>
+            <a:r>
+              <a:rPr lang="en-US" altLang="zh-CN" sz="1200" dirty="0" smtClean="0">
+                <a:latin typeface="Consolas" panose="020B0609020204030204" pitchFamily="49" charset="0"/>
+                <a:ea typeface="楷体" panose="02010609060101010101" pitchFamily="49" charset="-122"/>
+                <a:cs typeface="Consolas" panose="020B0609020204030204" pitchFamily="49" charset="0"/>
+                <a:hlinkClick r:id="rId3"/>
+              </a:rPr>
+              <a:t>+8618205253751</a:t>
+            </a:r>
+            <a:endParaRPr lang="en-US" altLang="zh-CN" sz="1200" dirty="0" smtClean="0">
+              <a:latin typeface="Consolas" panose="020B0609020204030204" pitchFamily="49" charset="0"/>
+              <a:ea typeface="楷体" panose="02010609060101010101" pitchFamily="49" charset="-122"/>
+              <a:cs typeface="Consolas" panose="020B0609020204030204" pitchFamily="49" charset="0"/>
+            </a:endParaRPr>
+          </a:p>
+          <a:p>
+            <a:pPr algn="r"/>
+            <a:r>
+              <a:rPr lang="en-US" altLang="zh-CN" sz="1200" dirty="0" err="1" smtClean="0">
+                <a:latin typeface="Consolas" panose="020B0609020204030204" pitchFamily="49" charset="0"/>
+                <a:ea typeface="楷体" panose="02010609060101010101" pitchFamily="49" charset="-122"/>
+                <a:cs typeface="Consolas" panose="020B0609020204030204" pitchFamily="49" charset="0"/>
+                <a:hlinkClick r:id="rId4"/>
+              </a:rPr>
+              <a:t>Ilya.Xue@outlook.com</a:t>
+            </a:r>
+            <a:endParaRPr lang="en-US" altLang="zh-CN" sz="1200" dirty="0" smtClean="0">
+              <a:latin typeface="Consolas" panose="020B0609020204030204" pitchFamily="49" charset="0"/>
+              <a:ea typeface="楷体" panose="02010609060101010101" pitchFamily="49" charset="-122"/>
+              <a:cs typeface="Consolas" panose="020B0609020204030204" pitchFamily="49" charset="0"/>
+            </a:endParaRPr>
+          </a:p>
+          <a:p>
+            <a:pPr algn="r"/>
+            <a:r>
+              <a:rPr lang="en-US" altLang="zh-CN" sz="1200" dirty="0" err="1" smtClean="0">
+                <a:latin typeface="Consolas" panose="020B0609020204030204" pitchFamily="49" charset="0"/>
+                <a:cs typeface="Consolas" panose="020B0609020204030204" pitchFamily="49" charset="0"/>
+              </a:rPr>
+              <a:t>Huaian</a:t>
+            </a:r>
+            <a:r>
+              <a:rPr lang="en-US" altLang="zh-CN" sz="1200" dirty="0" smtClean="0">
+                <a:latin typeface="Consolas" panose="020B0609020204030204" pitchFamily="49" charset="0"/>
+                <a:cs typeface="Consolas" panose="020B0609020204030204" pitchFamily="49" charset="0"/>
+              </a:rPr>
+              <a:t> </a:t>
+            </a:r>
+            <a:r>
+              <a:rPr lang="en-US" altLang="zh-CN" sz="1200" dirty="0">
+                <a:latin typeface="Consolas" panose="020B0609020204030204" pitchFamily="49" charset="0"/>
+                <a:cs typeface="Consolas" panose="020B0609020204030204" pitchFamily="49" charset="0"/>
+              </a:rPr>
+              <a:t>City</a:t>
+            </a:r>
+          </a:p>
+          <a:p>
+            <a:pPr algn="r"/>
+            <a:r>
+              <a:rPr lang="en-US" altLang="zh-CN" sz="1200" dirty="0" smtClean="0">
+                <a:latin typeface="Consolas" panose="020B0609020204030204" pitchFamily="49" charset="0"/>
+                <a:cs typeface="Consolas" panose="020B0609020204030204" pitchFamily="49" charset="0"/>
+              </a:rPr>
+              <a:t>Jiangsu Province, 223001, </a:t>
+            </a:r>
+            <a:r>
+              <a:rPr lang="en-US" altLang="zh-CN" sz="1200" dirty="0" err="1" smtClean="0">
+                <a:latin typeface="Consolas" panose="020B0609020204030204" pitchFamily="49" charset="0"/>
+                <a:cs typeface="Consolas" panose="020B0609020204030204" pitchFamily="49" charset="0"/>
+              </a:rPr>
+              <a:t>P.R.China</a:t>
+            </a:r>
+            <a:endParaRPr lang="en-US" altLang="zh-CN" sz="1200" dirty="0">
+              <a:latin typeface="Consolas" panose="020B0609020204030204" pitchFamily="49" charset="0"/>
+              <a:cs typeface="Consolas" panose="020B0609020204030204" pitchFamily="49" charset="0"/>
+            </a:endParaRPr>
+          </a:p>
+          <a:p>
+            <a:pPr algn="r"/>
+            <a:endParaRPr lang="en-US" altLang="zh-CN" sz="1200" dirty="0" smtClean="0">
+              <a:latin typeface="Consolas" panose="020B0609020204030204" pitchFamily="49" charset="0"/>
+              <a:ea typeface="楷体" panose="02010609060101010101" pitchFamily="49" charset="-122"/>
+              <a:cs typeface="Consolas" panose="020B0609020204030204" pitchFamily="49" charset="0"/>
+            </a:endParaRPr>
+          </a:p>
+        </p:txBody>
+      </p:sp>
+      <p:cxnSp>
+        <p:nvCxnSpPr>
+          <p:cNvPr id="8" name="直接连接符 7"/>
+          <p:cNvCxnSpPr/>
+          <p:nvPr/>
+        </p:nvCxnSpPr>
+        <p:spPr>
+          <a:xfrm>
+            <a:off x="3362324" y="4314825"/>
+            <a:ext cx="3210470" cy="0"/>
+          </a:xfrm>
+          <a:prstGeom prst="line">
+            <a:avLst/>
+          </a:prstGeom>
+        </p:spPr>
+        <p:style>
+          <a:lnRef idx="1">
+            <a:schemeClr val="accent1"/>
+          </a:lnRef>
+          <a:fillRef idx="0">
+            <a:schemeClr val="accent1"/>
+          </a:fillRef>
+          <a:effectRef idx="0">
+            <a:schemeClr val="accent1"/>
+          </a:effectRef>
+          <a:fontRef idx="minor">
+            <a:schemeClr val="tx1"/>
+          </a:fontRef>
+        </p:style>
+      </p:cxnSp>
+      <p:sp>
+        <p:nvSpPr>
+          <p:cNvPr id="9" name="文本框 8"/>
+          <p:cNvSpPr txBox="1"/>
+          <p:nvPr/>
+        </p:nvSpPr>
+        <p:spPr>
+          <a:xfrm>
+            <a:off x="3362324" y="2870827"/>
+            <a:ext cx="857927" cy="523220"/>
+          </a:xfrm>
+          <a:prstGeom prst="rect">
+            <a:avLst/>
+          </a:prstGeom>
+          <a:gradFill flip="none" rotWithShape="1">
+            <a:gsLst>
+              <a:gs pos="0">
+                <a:schemeClr val="accent4">
+                  <a:lumMod val="5000"/>
+                  <a:lumOff val="95000"/>
+                </a:schemeClr>
+              </a:gs>
+              <a:gs pos="74000">
+                <a:schemeClr val="accent4">
+                  <a:lumMod val="45000"/>
+                  <a:lumOff val="55000"/>
+                </a:schemeClr>
+              </a:gs>
+              <a:gs pos="83000">
+                <a:schemeClr val="accent4">
+                  <a:lumMod val="45000"/>
+                  <a:lumOff val="55000"/>
+                </a:schemeClr>
+              </a:gs>
+              <a:gs pos="100000">
+                <a:schemeClr val="accent4">
+                  <a:lumMod val="30000"/>
+                  <a:lumOff val="70000"/>
+                </a:schemeClr>
+              </a:gs>
+            </a:gsLst>
+            <a:lin ang="5400000" scaled="1"/>
+            <a:tileRect/>
+          </a:gradFill>
+          <a:effectLst>
+            <a:softEdge rad="127000"/>
+          </a:effectLst>
+        </p:spPr>
+        <p:txBody>
+          <a:bodyPr wrap="none" rtlCol="0">
+            <a:spAutoFit/>
+          </a:bodyPr>
+          <a:lstStyle/>
+          <a:p>
+            <a:r>
+              <a:rPr lang="en-US" altLang="zh-CN" sz="2800" i="1" u="sng" dirty="0" smtClean="0">
+                <a:solidFill>
+                  <a:srgbClr val="0563C1"/>
+                </a:solidFill>
+                <a:effectLst>
+                  <a:outerShdw blurRad="38100" dist="38100" dir="2700000" algn="tl">
+                    <a:srgbClr val="000000">
+                      <a:alpha val="43137"/>
+                    </a:srgbClr>
+                  </a:outerShdw>
+                </a:effectLst>
+                <a:latin typeface="French Script MT" panose="03020402040607040605" pitchFamily="66" charset="0"/>
+              </a:rPr>
+              <a:t>Spark</a:t>
+            </a:r>
+          </a:p>
+        </p:txBody>
+      </p:sp>
+    </p:spTree>
+    <p:extLst>
+      <p:ext uri="{BB962C8B-B14F-4D97-AF65-F5344CB8AC3E}">
+        <p14:creationId xmlns:p14="http://schemas.microsoft.com/office/powerpoint/2010/main" val="2361947234"/>
+      </p:ext>
+    </p:extLst>
+  </p:cSld>
+  <p:clrMapOvr>
+    <a:masterClrMapping/>
+  </p:clrMapOvr>
+</p:sld>
+</file>
+
 <file path=ppt/theme/theme1.xml><?xml version="1.0" encoding="utf-8"?>
 <a:theme xmlns:a="http://schemas.openxmlformats.org/drawingml/2006/main" name="Office 主题">
   <a:themeElements>
